--- a/Python Session/dict1.pptx
+++ b/Python Session/dict1.pptx
@@ -248,7 +248,7 @@
           <a:p>
             <a:fld id="{F0F0247C-C51D-4EF6-BD3D-5C448355D9AF}" type="datetimeFigureOut">
               <a:rPr lang="en-IN" smtClean="0"/>
-              <a:t>14-05-2022</a:t>
+              <a:t>15-05-2022</a:t>
             </a:fld>
             <a:endParaRPr lang="en-IN"/>
           </a:p>
@@ -418,7 +418,7 @@
           <a:p>
             <a:fld id="{F0F0247C-C51D-4EF6-BD3D-5C448355D9AF}" type="datetimeFigureOut">
               <a:rPr lang="en-IN" smtClean="0"/>
-              <a:t>14-05-2022</a:t>
+              <a:t>15-05-2022</a:t>
             </a:fld>
             <a:endParaRPr lang="en-IN"/>
           </a:p>
@@ -598,7 +598,7 @@
           <a:p>
             <a:fld id="{F0F0247C-C51D-4EF6-BD3D-5C448355D9AF}" type="datetimeFigureOut">
               <a:rPr lang="en-IN" smtClean="0"/>
-              <a:t>14-05-2022</a:t>
+              <a:t>15-05-2022</a:t>
             </a:fld>
             <a:endParaRPr lang="en-IN"/>
           </a:p>
@@ -768,7 +768,7 @@
           <a:p>
             <a:fld id="{F0F0247C-C51D-4EF6-BD3D-5C448355D9AF}" type="datetimeFigureOut">
               <a:rPr lang="en-IN" smtClean="0"/>
-              <a:t>14-05-2022</a:t>
+              <a:t>15-05-2022</a:t>
             </a:fld>
             <a:endParaRPr lang="en-IN"/>
           </a:p>
@@ -1014,7 +1014,7 @@
           <a:p>
             <a:fld id="{F0F0247C-C51D-4EF6-BD3D-5C448355D9AF}" type="datetimeFigureOut">
               <a:rPr lang="en-IN" smtClean="0"/>
-              <a:t>14-05-2022</a:t>
+              <a:t>15-05-2022</a:t>
             </a:fld>
             <a:endParaRPr lang="en-IN"/>
           </a:p>
@@ -1246,7 +1246,7 @@
           <a:p>
             <a:fld id="{F0F0247C-C51D-4EF6-BD3D-5C448355D9AF}" type="datetimeFigureOut">
               <a:rPr lang="en-IN" smtClean="0"/>
-              <a:t>14-05-2022</a:t>
+              <a:t>15-05-2022</a:t>
             </a:fld>
             <a:endParaRPr lang="en-IN"/>
           </a:p>
@@ -1613,7 +1613,7 @@
           <a:p>
             <a:fld id="{F0F0247C-C51D-4EF6-BD3D-5C448355D9AF}" type="datetimeFigureOut">
               <a:rPr lang="en-IN" smtClean="0"/>
-              <a:t>14-05-2022</a:t>
+              <a:t>15-05-2022</a:t>
             </a:fld>
             <a:endParaRPr lang="en-IN"/>
           </a:p>
@@ -1731,7 +1731,7 @@
           <a:p>
             <a:fld id="{F0F0247C-C51D-4EF6-BD3D-5C448355D9AF}" type="datetimeFigureOut">
               <a:rPr lang="en-IN" smtClean="0"/>
-              <a:t>14-05-2022</a:t>
+              <a:t>15-05-2022</a:t>
             </a:fld>
             <a:endParaRPr lang="en-IN"/>
           </a:p>
@@ -1826,7 +1826,7 @@
           <a:p>
             <a:fld id="{F0F0247C-C51D-4EF6-BD3D-5C448355D9AF}" type="datetimeFigureOut">
               <a:rPr lang="en-IN" smtClean="0"/>
-              <a:t>14-05-2022</a:t>
+              <a:t>15-05-2022</a:t>
             </a:fld>
             <a:endParaRPr lang="en-IN"/>
           </a:p>
@@ -2103,7 +2103,7 @@
           <a:p>
             <a:fld id="{F0F0247C-C51D-4EF6-BD3D-5C448355D9AF}" type="datetimeFigureOut">
               <a:rPr lang="en-IN" smtClean="0"/>
-              <a:t>14-05-2022</a:t>
+              <a:t>15-05-2022</a:t>
             </a:fld>
             <a:endParaRPr lang="en-IN"/>
           </a:p>
@@ -2356,7 +2356,7 @@
           <a:p>
             <a:fld id="{F0F0247C-C51D-4EF6-BD3D-5C448355D9AF}" type="datetimeFigureOut">
               <a:rPr lang="en-IN" smtClean="0"/>
-              <a:t>14-05-2022</a:t>
+              <a:t>15-05-2022</a:t>
             </a:fld>
             <a:endParaRPr lang="en-IN"/>
           </a:p>
@@ -2569,7 +2569,7 @@
           <a:p>
             <a:fld id="{F0F0247C-C51D-4EF6-BD3D-5C448355D9AF}" type="datetimeFigureOut">
               <a:rPr lang="en-IN" smtClean="0"/>
-              <a:t>14-05-2022</a:t>
+              <a:t>15-05-2022</a:t>
             </a:fld>
             <a:endParaRPr lang="en-IN"/>
           </a:p>
@@ -3038,7 +3038,6 @@
               <a:rPr lang="en-US" sz="2000" dirty="0" smtClean="0"/>
               <a:t>pair.</a:t>
             </a:r>
-            <a:endParaRPr lang="en-US" sz="2000" dirty="0" smtClean="0"/>
           </a:p>
           <a:p>
             <a:pPr algn="l"/>
@@ -3089,11 +3088,7 @@
             </a:r>
             <a:r>
               <a:rPr lang="en-US" sz="2000" dirty="0" smtClean="0"/>
-              <a:t>:</a:t>
-            </a:r>
-            <a:r>
-              <a:rPr lang="en-US" sz="2000" dirty="0" smtClean="0"/>
-              <a:t>:</a:t>
+              <a:t>::</a:t>
             </a:r>
             <a:endParaRPr lang="en-US" sz="2000" dirty="0"/>
           </a:p>
@@ -3456,11 +3451,7 @@
                       </a:r>
                       <a:r>
                         <a:rPr lang="en-US" dirty="0" smtClean="0"/>
-                        <a:t>(dict1</a:t>
-                      </a:r>
-                      <a:r>
-                        <a:rPr lang="en-US" dirty="0" smtClean="0"/>
-                        <a:t>)</a:t>
+                        <a:t>(dict1)</a:t>
                       </a:r>
                       <a:endParaRPr lang="en-IN" dirty="0"/>
                     </a:p>
@@ -3494,11 +3485,7 @@
                     <a:p>
                       <a:r>
                         <a:rPr lang="en-US" dirty="0" smtClean="0"/>
-                        <a:t>max(dict1</a:t>
-                      </a:r>
-                      <a:r>
-                        <a:rPr lang="en-US" dirty="0" smtClean="0"/>
-                        <a:t>)</a:t>
+                        <a:t>max(dict1)</a:t>
                       </a:r>
                       <a:endParaRPr lang="en-IN" dirty="0"/>
                     </a:p>
@@ -3532,11 +3519,7 @@
                     <a:p>
                       <a:r>
                         <a:rPr lang="en-US" dirty="0" smtClean="0"/>
-                        <a:t>min(dict1</a:t>
-                      </a:r>
-                      <a:r>
-                        <a:rPr lang="en-US" dirty="0" smtClean="0"/>
-                        <a:t>)</a:t>
+                        <a:t>min(dict1)</a:t>
                       </a:r>
                       <a:endParaRPr lang="en-IN" dirty="0"/>
                     </a:p>
@@ -3566,29 +3549,21 @@
                     <a:p>
                       <a:r>
                         <a:rPr lang="en-US" dirty="0" smtClean="0"/>
-                        <a:t>sorted(dict1</a:t>
-                      </a:r>
+                        <a:t>sorted(dict1)</a:t>
+                      </a:r>
+                      <a:endParaRPr lang="en-IN" dirty="0"/>
+                    </a:p>
+                  </a:txBody>
+                  <a:tcPr/>
+                </a:tc>
+                <a:tc>
+                  <a:txBody>
+                    <a:bodyPr/>
+                    <a:lstStyle/>
+                    <a:p>
                       <a:r>
                         <a:rPr lang="en-US" dirty="0" smtClean="0"/>
-                        <a:t>)</a:t>
-                      </a:r>
-                      <a:endParaRPr lang="en-IN" dirty="0"/>
-                    </a:p>
-                  </a:txBody>
-                  <a:tcPr/>
-                </a:tc>
-                <a:tc>
-                  <a:txBody>
-                    <a:bodyPr/>
-                    <a:lstStyle/>
-                    <a:p>
-                      <a:r>
-                        <a:rPr lang="en-US" dirty="0" smtClean="0"/>
-                        <a:t>Return sorted list of </a:t>
-                      </a:r>
-                      <a:r>
-                        <a:rPr lang="en-US" dirty="0" smtClean="0"/>
-                        <a:t>keys</a:t>
+                        <a:t>Return sorted list of keys</a:t>
                       </a:r>
                       <a:endParaRPr lang="en-IN" dirty="0"/>
                     </a:p>
@@ -3604,11 +3579,7 @@
                     <a:p>
                       <a:r>
                         <a:rPr lang="en-US" dirty="0" smtClean="0"/>
-                        <a:t>any(dict1</a:t>
-                      </a:r>
-                      <a:r>
-                        <a:rPr lang="en-US" dirty="0" smtClean="0"/>
-                        <a:t>)</a:t>
+                        <a:t>any(dict1)</a:t>
                       </a:r>
                       <a:endParaRPr lang="en-IN" dirty="0"/>
                     </a:p>
@@ -3642,33 +3613,21 @@
                     <a:p>
                       <a:r>
                         <a:rPr lang="en-US" dirty="0" smtClean="0"/>
-                        <a:t>all(d</a:t>
-                      </a:r>
+                        <a:t>all(d)</a:t>
+                      </a:r>
+                      <a:endParaRPr lang="en-IN" dirty="0"/>
+                    </a:p>
+                  </a:txBody>
+                  <a:tcPr/>
+                </a:tc>
+                <a:tc>
+                  <a:txBody>
+                    <a:bodyPr/>
+                    <a:lstStyle/>
+                    <a:p>
                       <a:r>
                         <a:rPr lang="en-US" dirty="0" smtClean="0"/>
-                        <a:t>)</a:t>
-                      </a:r>
-                      <a:endParaRPr lang="en-IN" dirty="0"/>
-                    </a:p>
-                  </a:txBody>
-                  <a:tcPr/>
-                </a:tc>
-                <a:tc>
-                  <a:txBody>
-                    <a:bodyPr/>
-                    <a:lstStyle/>
-                    <a:p>
-                      <a:r>
-                        <a:rPr lang="en-US" dirty="0" smtClean="0"/>
-                        <a:t>Return True if all </a:t>
-                      </a:r>
-                      <a:r>
-                        <a:rPr lang="en-US" dirty="0" smtClean="0"/>
-                        <a:t>keys </a:t>
-                      </a:r>
-                      <a:r>
-                        <a:rPr lang="en-US" dirty="0" smtClean="0"/>
-                        <a:t>of dictionary are True</a:t>
+                        <a:t>Return True if all keys of dictionary are True</a:t>
                       </a:r>
                     </a:p>
                   </a:txBody>
@@ -3683,11 +3642,7 @@
                     <a:p>
                       <a:r>
                         <a:rPr lang="en-US" dirty="0" smtClean="0"/>
-                        <a:t>reversed(dict1</a:t>
-                      </a:r>
-                      <a:r>
-                        <a:rPr lang="en-US" dirty="0" smtClean="0"/>
-                        <a:t>)</a:t>
+                        <a:t>reversed(dict1)</a:t>
                       </a:r>
                       <a:endParaRPr lang="en-IN" dirty="0"/>
                     </a:p>
@@ -3941,11 +3896,7 @@
                       </a:r>
                       <a:r>
                         <a:rPr lang="en-US" dirty="0" smtClean="0"/>
-                        <a:t>.get(key</a:t>
-                      </a:r>
-                      <a:r>
-                        <a:rPr lang="en-US" dirty="0" smtClean="0"/>
-                        <a:t>, default)</a:t>
+                        <a:t>.get(key, default)</a:t>
                       </a:r>
                       <a:endParaRPr lang="en-IN" dirty="0"/>
                     </a:p>
@@ -4016,19 +3967,7 @@
                           <a:ea typeface="+mn-ea"/>
                           <a:cs typeface="+mn-cs"/>
                         </a:rPr>
-                        <a:t> </a:t>
-                      </a:r>
-                      <a:r>
-                        <a:rPr lang="en-IN" sz="1800" b="0" i="0" kern="1200" dirty="0" smtClean="0">
-                          <a:solidFill>
-                            <a:schemeClr val="dk1"/>
-                          </a:solidFill>
-                          <a:effectLst/>
-                          <a:latin typeface="+mn-lt"/>
-                          <a:ea typeface="+mn-ea"/>
-                          <a:cs typeface="+mn-cs"/>
-                        </a:rPr>
-                        <a:t>Items()</a:t>
+                        <a:t> Items()</a:t>
                       </a:r>
                     </a:p>
                   </a:txBody>
@@ -4106,19 +4045,7 @@
                           <a:ea typeface="+mn-ea"/>
                           <a:cs typeface="+mn-cs"/>
                         </a:rPr>
-                        <a:t> </a:t>
-                      </a:r>
-                      <a:r>
-                        <a:rPr lang="en-IN" sz="1800" b="0" i="0" kern="1200" dirty="0" smtClean="0">
-                          <a:solidFill>
-                            <a:schemeClr val="dk1"/>
-                          </a:solidFill>
-                          <a:effectLst/>
-                          <a:latin typeface="+mn-lt"/>
-                          <a:ea typeface="+mn-ea"/>
-                          <a:cs typeface="+mn-cs"/>
-                        </a:rPr>
-                        <a:t>keys()</a:t>
+                        <a:t> keys()</a:t>
                       </a:r>
                     </a:p>
                   </a:txBody>
@@ -4196,19 +4123,7 @@
                           <a:ea typeface="+mn-ea"/>
                           <a:cs typeface="+mn-cs"/>
                         </a:rPr>
-                        <a:t> </a:t>
-                      </a:r>
-                      <a:r>
-                        <a:rPr lang="en-IN" sz="1800" b="0" i="0" kern="1200" dirty="0" smtClean="0">
-                          <a:solidFill>
-                            <a:schemeClr val="dk1"/>
-                          </a:solidFill>
-                          <a:effectLst/>
-                          <a:latin typeface="+mn-lt"/>
-                          <a:ea typeface="+mn-ea"/>
-                          <a:cs typeface="+mn-cs"/>
-                        </a:rPr>
-                        <a:t>values()</a:t>
+                        <a:t> values()</a:t>
                       </a:r>
                     </a:p>
                   </a:txBody>
@@ -4286,19 +4201,7 @@
                           <a:ea typeface="+mn-ea"/>
                           <a:cs typeface="+mn-cs"/>
                         </a:rPr>
-                        <a:t> </a:t>
-                      </a:r>
-                      <a:r>
-                        <a:rPr lang="en-IN" sz="1800" b="0" i="0" kern="1200" dirty="0" smtClean="0">
-                          <a:solidFill>
-                            <a:schemeClr val="dk1"/>
-                          </a:solidFill>
-                          <a:effectLst/>
-                          <a:latin typeface="+mn-lt"/>
-                          <a:ea typeface="+mn-ea"/>
-                          <a:cs typeface="+mn-cs"/>
-                        </a:rPr>
-                        <a:t>clear()</a:t>
+                        <a:t> clear()</a:t>
                       </a:r>
                     </a:p>
                   </a:txBody>
@@ -4771,12 +4674,13 @@
             </a:pPr>
             <a:r>
               <a:rPr lang="en-IN" sz="2000" dirty="0"/>
-              <a:t>Sets are </a:t>
+              <a:t>Sets </a:t>
             </a:r>
             <a:r>
               <a:rPr lang="en-IN" sz="2000" dirty="0" smtClean="0"/>
-              <a:t>unordered</a:t>
-            </a:r>
+              <a:t>are mutable  unordered collection on items</a:t>
+            </a:r>
+            <a:endParaRPr lang="en-IN" sz="2000" dirty="0" smtClean="0"/>
           </a:p>
           <a:p>
             <a:pPr marL="0" indent="0">
@@ -4936,7 +4840,6 @@
               <a:rPr lang="en-US" sz="2000" b="1" dirty="0"/>
               <a:t>'))</a:t>
             </a:r>
-            <a:endParaRPr lang="en-US" sz="2000" b="1" dirty="0"/>
           </a:p>
         </p:txBody>
       </p:sp>
@@ -4950,13 +4853,13 @@
   <p:clrMapOvr>
     <a:masterClrMapping/>
   </p:clrMapOvr>
-  <mc:AlternateContent xmlns:mc="http://schemas.openxmlformats.org/markup-compatibility/2006">
-    <mc:Choice xmlns:p14="http://schemas.microsoft.com/office/powerpoint/2010/main" Requires="p14">
+  <mc:AlternateContent xmlns:mc="http://schemas.openxmlformats.org/markup-compatibility/2006" xmlns:p14="http://schemas.microsoft.com/office/powerpoint/2010/main">
+    <mc:Choice Requires="p14">
       <p:transition spd="slow" p14:dur="1600">
         <p:blinds dir="vert"/>
       </p:transition>
     </mc:Choice>
-    <mc:Fallback>
+    <mc:Fallback xmlns="">
       <p:transition spd="slow">
         <p:blinds dir="vert"/>
       </p:transition>
@@ -5015,13 +4918,7 @@
               <a:rPr lang="en-US" sz="2000" u="sng" dirty="0" smtClean="0">
                 <a:latin typeface="Algerian" panose="04020705040A02060702" pitchFamily="82" charset="0"/>
               </a:rPr>
-              <a:t>Common </a:t>
-            </a:r>
-            <a:r>
-              <a:rPr lang="en-US" sz="2000" u="sng" dirty="0" smtClean="0">
-                <a:latin typeface="Algerian" panose="04020705040A02060702" pitchFamily="82" charset="0"/>
-              </a:rPr>
-              <a:t>Built-in function Set</a:t>
+              <a:t>Common Built-in function Set</a:t>
             </a:r>
             <a:endParaRPr lang="en-IN" sz="2000" u="sng" dirty="0">
               <a:latin typeface="Algerian" panose="04020705040A02060702" pitchFamily="82" charset="0"/>
@@ -5709,13 +5606,13 @@
   <p:clrMapOvr>
     <a:masterClrMapping/>
   </p:clrMapOvr>
-  <mc:AlternateContent xmlns:mc="http://schemas.openxmlformats.org/markup-compatibility/2006">
-    <mc:Choice xmlns:p14="http://schemas.microsoft.com/office/powerpoint/2010/main" Requires="p14">
+  <mc:AlternateContent xmlns:mc="http://schemas.openxmlformats.org/markup-compatibility/2006" xmlns:p14="http://schemas.microsoft.com/office/powerpoint/2010/main">
+    <mc:Choice Requires="p14">
       <p:transition spd="slow" p14:dur="1600">
         <p:blinds dir="vert"/>
       </p:transition>
     </mc:Choice>
-    <mc:Fallback>
+    <mc:Fallback xmlns="">
       <p:transition spd="slow">
         <p:blinds dir="vert"/>
       </p:transition>
@@ -5825,13 +5722,13 @@
   <p:clrMapOvr>
     <a:masterClrMapping/>
   </p:clrMapOvr>
-  <mc:AlternateContent xmlns:mc="http://schemas.openxmlformats.org/markup-compatibility/2006">
-    <mc:Choice xmlns:p14="http://schemas.microsoft.com/office/powerpoint/2010/main" Requires="p14">
+  <mc:AlternateContent xmlns:mc="http://schemas.openxmlformats.org/markup-compatibility/2006" xmlns:p14="http://schemas.microsoft.com/office/powerpoint/2010/main">
+    <mc:Choice Requires="p14">
       <p:transition spd="slow" p14:dur="1600">
         <p:blinds dir="vert"/>
       </p:transition>
     </mc:Choice>
-    <mc:Fallback>
+    <mc:Fallback xmlns="">
       <p:transition spd="slow">
         <p:blinds dir="vert"/>
       </p:transition>
